--- a/CSS.pptx
+++ b/CSS.pptx
@@ -113,6 +113,11 @@
       </a:defRPr>
     </a:lvl9pPr>
   </p:defaultTextStyle>
+  <p:extLst>
+    <p:ext uri="{EFAFB233-063F-42B5-8137-9DF3F51BA10A}">
+      <p15:sldGuideLst xmlns:p15="http://schemas.microsoft.com/office/powerpoint/2012/main"/>
+    </p:ext>
+  </p:extLst>
 </p:presentation>
 </file>
 
@@ -211,7 +216,7 @@
           <a:effectLst/>
           <a:extLst>
             <a:ext uri="{91240B29-F687-4f45-9708-019B960494DF}">
-              <a14:hiddenLine xmlns:a14="http://schemas.microsoft.com/office/drawing/2010/main" xmlns="" w="9525">
+              <a14:hiddenLine xmlns="" xmlns:a14="http://schemas.microsoft.com/office/drawing/2010/main" w="9525">
                 <a:solidFill>
                   <a:srgbClr val="000000"/>
                 </a:solidFill>
@@ -262,7 +267,7 @@
           </a:lstStyle>
           <a:p>
             <a:r>
-              <a:rPr lang="es-ES" smtClean="0"/>
+              <a:rPr lang="es-ES"/>
               <a:t>Haga clic para modificar el estilo de título del patrón</a:t>
             </a:r>
             <a:endParaRPr lang="en-US" dirty="0"/>
@@ -379,7 +384,7 @@
           </a:lstStyle>
           <a:p>
             <a:r>
-              <a:rPr lang="es-ES" smtClean="0"/>
+              <a:rPr lang="es-ES"/>
               <a:t>Haga clic para editar el estilo de subtítulo del patrón</a:t>
             </a:r>
             <a:endParaRPr lang="en-US" dirty="0"/>
@@ -403,7 +408,7 @@
           <a:p>
             <a:fld id="{8CA34CF7-5ABB-4620-B6B7-0EEDDD8EB9B3}" type="datetimeFigureOut">
               <a:rPr lang="es-MX" smtClean="0"/>
-              <a:t>23/02/2022</a:t>
+              <a:t>24/02/2022</a:t>
             </a:fld>
             <a:endParaRPr lang="es-MX" dirty="0"/>
           </a:p>
@@ -445,7 +450,7 @@
           <a:p>
             <a:fld id="{9FC0BFC7-9195-41BB-B7AD-F567885A26D7}" type="slidenum">
               <a:rPr lang="es-MX" smtClean="0"/>
-              <a:t>‹Nº›</a:t>
+              <a:t>‹#›</a:t>
             </a:fld>
             <a:endParaRPr lang="es-MX" dirty="0"/>
           </a:p>
@@ -508,7 +513,7 @@
           </a:lstStyle>
           <a:p>
             <a:r>
-              <a:rPr lang="es-ES" smtClean="0"/>
+              <a:rPr lang="es-ES"/>
               <a:t>Haga clic para modificar el estilo de título del patrón</a:t>
             </a:r>
             <a:endParaRPr lang="en-US" dirty="0"/>
@@ -630,7 +635,7 @@
           </a:lstStyle>
           <a:p>
             <a:r>
-              <a:rPr lang="es-ES" dirty="0" smtClean="0"/>
+              <a:rPr lang="es-ES" dirty="0"/>
               <a:t>Haga clic en el icono para agregar una imagen</a:t>
             </a:r>
             <a:endParaRPr lang="en-US" dirty="0"/>
@@ -698,7 +703,7 @@
           <a:p>
             <a:pPr lvl="0"/>
             <a:r>
-              <a:rPr lang="es-ES" smtClean="0"/>
+              <a:rPr lang="es-ES"/>
               <a:t>Editar el estilo de texto del patrón</a:t>
             </a:r>
           </a:p>
@@ -721,7 +726,7 @@
           <a:p>
             <a:fld id="{8CA34CF7-5ABB-4620-B6B7-0EEDDD8EB9B3}" type="datetimeFigureOut">
               <a:rPr lang="es-MX" smtClean="0"/>
-              <a:t>23/02/2022</a:t>
+              <a:t>24/02/2022</a:t>
             </a:fld>
             <a:endParaRPr lang="es-MX" dirty="0"/>
           </a:p>
@@ -763,7 +768,7 @@
           <a:p>
             <a:fld id="{9FC0BFC7-9195-41BB-B7AD-F567885A26D7}" type="slidenum">
               <a:rPr lang="es-MX" smtClean="0"/>
-              <a:t>‹Nº›</a:t>
+              <a:t>‹#›</a:t>
             </a:fld>
             <a:endParaRPr lang="es-MX" dirty="0"/>
           </a:p>
@@ -1032,7 +1037,7 @@
           </a:lstStyle>
           <a:p>
             <a:r>
-              <a:rPr lang="es-ES" smtClean="0"/>
+              <a:rPr lang="es-ES"/>
               <a:t>Haga clic para modificar el estilo de título del patrón</a:t>
             </a:r>
             <a:endParaRPr lang="en-US" dirty="0"/>
@@ -1152,7 +1157,7 @@
           <a:p>
             <a:pPr lvl="0"/>
             <a:r>
-              <a:rPr lang="es-ES" smtClean="0"/>
+              <a:rPr lang="es-ES"/>
               <a:t>Editar el estilo de texto del patrón</a:t>
             </a:r>
           </a:p>
@@ -1186,7 +1191,7 @@
           <a:p>
             <a:pPr lvl="0"/>
             <a:r>
-              <a:rPr lang="es-ES" smtClean="0"/>
+              <a:rPr lang="es-ES"/>
               <a:t>Editar el estilo de texto del patrón</a:t>
             </a:r>
           </a:p>
@@ -1209,7 +1214,7 @@
           <a:p>
             <a:fld id="{8CA34CF7-5ABB-4620-B6B7-0EEDDD8EB9B3}" type="datetimeFigureOut">
               <a:rPr lang="es-MX" smtClean="0"/>
-              <a:t>23/02/2022</a:t>
+              <a:t>24/02/2022</a:t>
             </a:fld>
             <a:endParaRPr lang="es-MX" dirty="0"/>
           </a:p>
@@ -1251,7 +1256,7 @@
           <a:p>
             <a:fld id="{9FC0BFC7-9195-41BB-B7AD-F567885A26D7}" type="slidenum">
               <a:rPr lang="es-MX" smtClean="0"/>
-              <a:t>‹Nº›</a:t>
+              <a:t>‹#›</a:t>
             </a:fld>
             <a:endParaRPr lang="es-MX" dirty="0"/>
           </a:p>
@@ -1520,7 +1525,7 @@
           </a:lstStyle>
           <a:p>
             <a:r>
-              <a:rPr lang="es-ES" smtClean="0"/>
+              <a:rPr lang="es-ES"/>
               <a:t>Haga clic para modificar el estilo de título del patrón</a:t>
             </a:r>
             <a:endParaRPr lang="en-US" dirty="0"/>
@@ -1555,7 +1560,7 @@
           <a:p>
             <a:pPr lvl="0"/>
             <a:r>
-              <a:rPr lang="es-ES" smtClean="0"/>
+              <a:rPr lang="es-ES"/>
               <a:t>Editar el estilo de texto del patrón</a:t>
             </a:r>
           </a:p>
@@ -1578,7 +1583,7 @@
           <a:p>
             <a:fld id="{8CA34CF7-5ABB-4620-B6B7-0EEDDD8EB9B3}" type="datetimeFigureOut">
               <a:rPr lang="es-MX" smtClean="0"/>
-              <a:t>23/02/2022</a:t>
+              <a:t>24/02/2022</a:t>
             </a:fld>
             <a:endParaRPr lang="es-MX" dirty="0"/>
           </a:p>
@@ -1620,7 +1625,7 @@
           <a:p>
             <a:fld id="{9FC0BFC7-9195-41BB-B7AD-F567885A26D7}" type="slidenum">
               <a:rPr lang="es-MX" smtClean="0"/>
-              <a:t>‹Nº›</a:t>
+              <a:t>‹#›</a:t>
             </a:fld>
             <a:endParaRPr lang="es-MX" dirty="0"/>
           </a:p>
@@ -1733,7 +1738,7 @@
           <a:ln/>
           <a:extLst>
             <a:ext uri="{91240B29-F687-4f45-9708-019B960494DF}">
-              <a14:hiddenLine xmlns:a14="http://schemas.microsoft.com/office/drawing/2010/main" xmlns="" w="9525">
+              <a14:hiddenLine xmlns="" xmlns:a14="http://schemas.microsoft.com/office/drawing/2010/main" w="9525">
                 <a:solidFill>
                   <a:srgbClr val="000000"/>
                 </a:solidFill>
@@ -1775,7 +1780,7 @@
           <a:lstStyle/>
           <a:p>
             <a:r>
-              <a:rPr lang="es-ES" smtClean="0"/>
+              <a:rPr lang="es-ES"/>
               <a:t>Haga clic para modificar el estilo de título del patrón</a:t>
             </a:r>
             <a:endParaRPr lang="en-US" dirty="0"/>
@@ -1799,35 +1804,35 @@
           <a:p>
             <a:pPr lvl="0"/>
             <a:r>
-              <a:rPr lang="es-ES" smtClean="0"/>
+              <a:rPr lang="es-ES"/>
               <a:t>Editar el estilo de texto del patrón</a:t>
             </a:r>
           </a:p>
           <a:p>
             <a:pPr lvl="1"/>
             <a:r>
-              <a:rPr lang="es-ES" smtClean="0"/>
+              <a:rPr lang="es-ES"/>
               <a:t>Segundo nivel</a:t>
             </a:r>
           </a:p>
           <a:p>
             <a:pPr lvl="2"/>
             <a:r>
-              <a:rPr lang="es-ES" smtClean="0"/>
+              <a:rPr lang="es-ES"/>
               <a:t>Tercer nivel</a:t>
             </a:r>
           </a:p>
           <a:p>
             <a:pPr lvl="3"/>
             <a:r>
-              <a:rPr lang="es-ES" smtClean="0"/>
+              <a:rPr lang="es-ES"/>
               <a:t>Cuarto nivel</a:t>
             </a:r>
           </a:p>
           <a:p>
             <a:pPr lvl="4"/>
             <a:r>
-              <a:rPr lang="es-ES" smtClean="0"/>
+              <a:rPr lang="es-ES"/>
               <a:t>Quinto nivel</a:t>
             </a:r>
             <a:endParaRPr lang="en-US" dirty="0"/>
@@ -1851,7 +1856,7 @@
           <a:p>
             <a:fld id="{8CA34CF7-5ABB-4620-B6B7-0EEDDD8EB9B3}" type="datetimeFigureOut">
               <a:rPr lang="es-MX" smtClean="0"/>
-              <a:t>23/02/2022</a:t>
+              <a:t>24/02/2022</a:t>
             </a:fld>
             <a:endParaRPr lang="es-MX" dirty="0"/>
           </a:p>
@@ -1893,7 +1898,7 @@
           <a:p>
             <a:fld id="{9FC0BFC7-9195-41BB-B7AD-F567885A26D7}" type="slidenum">
               <a:rPr lang="es-MX" smtClean="0"/>
-              <a:t>‹Nº›</a:t>
+              <a:t>‹#›</a:t>
             </a:fld>
             <a:endParaRPr lang="es-MX" dirty="0"/>
           </a:p>
@@ -2008,7 +2013,7 @@
           <a:ln/>
           <a:extLst>
             <a:ext uri="{91240B29-F687-4f45-9708-019B960494DF}">
-              <a14:hiddenLine xmlns:a14="http://schemas.microsoft.com/office/drawing/2010/main" xmlns="" w="9525">
+              <a14:hiddenLine xmlns="" xmlns:a14="http://schemas.microsoft.com/office/drawing/2010/main" w="9525">
                 <a:solidFill>
                   <a:srgbClr val="000000"/>
                 </a:solidFill>
@@ -2055,7 +2060,7 @@
           <a:lstStyle/>
           <a:p>
             <a:r>
-              <a:rPr lang="es-ES" smtClean="0"/>
+              <a:rPr lang="es-ES"/>
               <a:t>Haga clic para modificar el estilo de título del patrón</a:t>
             </a:r>
             <a:endParaRPr lang="en-US" dirty="0"/>
@@ -2084,35 +2089,35 @@
           <a:p>
             <a:pPr lvl="0"/>
             <a:r>
-              <a:rPr lang="es-ES" smtClean="0"/>
+              <a:rPr lang="es-ES"/>
               <a:t>Editar el estilo de texto del patrón</a:t>
             </a:r>
           </a:p>
           <a:p>
             <a:pPr lvl="1"/>
             <a:r>
-              <a:rPr lang="es-ES" smtClean="0"/>
+              <a:rPr lang="es-ES"/>
               <a:t>Segundo nivel</a:t>
             </a:r>
           </a:p>
           <a:p>
             <a:pPr lvl="2"/>
             <a:r>
-              <a:rPr lang="es-ES" smtClean="0"/>
+              <a:rPr lang="es-ES"/>
               <a:t>Tercer nivel</a:t>
             </a:r>
           </a:p>
           <a:p>
             <a:pPr lvl="3"/>
             <a:r>
-              <a:rPr lang="es-ES" smtClean="0"/>
+              <a:rPr lang="es-ES"/>
               <a:t>Cuarto nivel</a:t>
             </a:r>
           </a:p>
           <a:p>
             <a:pPr lvl="4"/>
             <a:r>
-              <a:rPr lang="es-ES" smtClean="0"/>
+              <a:rPr lang="es-ES"/>
               <a:t>Quinto nivel</a:t>
             </a:r>
             <a:endParaRPr lang="en-US" dirty="0"/>
@@ -2136,7 +2141,7 @@
           <a:p>
             <a:fld id="{8CA34CF7-5ABB-4620-B6B7-0EEDDD8EB9B3}" type="datetimeFigureOut">
               <a:rPr lang="es-MX" smtClean="0"/>
-              <a:t>23/02/2022</a:t>
+              <a:t>24/02/2022</a:t>
             </a:fld>
             <a:endParaRPr lang="es-MX" dirty="0"/>
           </a:p>
@@ -2178,7 +2183,7 @@
           <a:p>
             <a:fld id="{9FC0BFC7-9195-41BB-B7AD-F567885A26D7}" type="slidenum">
               <a:rPr lang="es-MX" smtClean="0"/>
-              <a:t>‹Nº›</a:t>
+              <a:t>‹#›</a:t>
             </a:fld>
             <a:endParaRPr lang="es-MX" dirty="0"/>
           </a:p>
@@ -2291,7 +2296,7 @@
           <a:ln/>
           <a:extLst>
             <a:ext uri="{91240B29-F687-4f45-9708-019B960494DF}">
-              <a14:hiddenLine xmlns:a14="http://schemas.microsoft.com/office/drawing/2010/main" xmlns="" w="9525">
+              <a14:hiddenLine xmlns="" xmlns:a14="http://schemas.microsoft.com/office/drawing/2010/main" w="9525">
                 <a:solidFill>
                   <a:srgbClr val="000000"/>
                 </a:solidFill>
@@ -2338,7 +2343,7 @@
           <a:lstStyle/>
           <a:p>
             <a:r>
-              <a:rPr lang="es-ES" smtClean="0"/>
+              <a:rPr lang="es-ES"/>
               <a:t>Haga clic para modificar el estilo de título del patrón</a:t>
             </a:r>
             <a:endParaRPr lang="en-US" dirty="0"/>
@@ -2367,35 +2372,35 @@
           <a:p>
             <a:pPr lvl="0"/>
             <a:r>
-              <a:rPr lang="es-ES" smtClean="0"/>
+              <a:rPr lang="es-ES"/>
               <a:t>Editar el estilo de texto del patrón</a:t>
             </a:r>
           </a:p>
           <a:p>
             <a:pPr lvl="1"/>
             <a:r>
-              <a:rPr lang="es-ES" smtClean="0"/>
+              <a:rPr lang="es-ES"/>
               <a:t>Segundo nivel</a:t>
             </a:r>
           </a:p>
           <a:p>
             <a:pPr lvl="2"/>
             <a:r>
-              <a:rPr lang="es-ES" smtClean="0"/>
+              <a:rPr lang="es-ES"/>
               <a:t>Tercer nivel</a:t>
             </a:r>
           </a:p>
           <a:p>
             <a:pPr lvl="3"/>
             <a:r>
-              <a:rPr lang="es-ES" smtClean="0"/>
+              <a:rPr lang="es-ES"/>
               <a:t>Cuarto nivel</a:t>
             </a:r>
           </a:p>
           <a:p>
             <a:pPr lvl="4"/>
             <a:r>
-              <a:rPr lang="es-ES" smtClean="0"/>
+              <a:rPr lang="es-ES"/>
               <a:t>Quinto nivel</a:t>
             </a:r>
             <a:endParaRPr lang="en-US" dirty="0"/>
@@ -2419,7 +2424,7 @@
           <a:p>
             <a:fld id="{8CA34CF7-5ABB-4620-B6B7-0EEDDD8EB9B3}" type="datetimeFigureOut">
               <a:rPr lang="es-MX" smtClean="0"/>
-              <a:t>23/02/2022</a:t>
+              <a:t>24/02/2022</a:t>
             </a:fld>
             <a:endParaRPr lang="es-MX" dirty="0"/>
           </a:p>
@@ -2461,7 +2466,7 @@
           <a:p>
             <a:fld id="{9FC0BFC7-9195-41BB-B7AD-F567885A26D7}" type="slidenum">
               <a:rPr lang="es-MX" smtClean="0"/>
-              <a:t>‹Nº›</a:t>
+              <a:t>‹#›</a:t>
             </a:fld>
             <a:endParaRPr lang="es-MX" dirty="0"/>
           </a:p>
@@ -2619,7 +2624,7 @@
           </a:lstStyle>
           <a:p>
             <a:r>
-              <a:rPr lang="es-ES" smtClean="0"/>
+              <a:rPr lang="es-ES"/>
               <a:t>Haga clic para modificar el estilo de título del patrón</a:t>
             </a:r>
             <a:endParaRPr lang="en-US" dirty="0"/>
@@ -2739,7 +2744,7 @@
           <a:p>
             <a:pPr lvl="0"/>
             <a:r>
-              <a:rPr lang="es-ES" smtClean="0"/>
+              <a:rPr lang="es-ES"/>
               <a:t>Editar el estilo de texto del patrón</a:t>
             </a:r>
           </a:p>
@@ -2762,7 +2767,7 @@
           <a:p>
             <a:fld id="{8CA34CF7-5ABB-4620-B6B7-0EEDDD8EB9B3}" type="datetimeFigureOut">
               <a:rPr lang="es-MX" smtClean="0"/>
-              <a:t>23/02/2022</a:t>
+              <a:t>24/02/2022</a:t>
             </a:fld>
             <a:endParaRPr lang="es-MX" dirty="0"/>
           </a:p>
@@ -2804,7 +2809,7 @@
           <a:p>
             <a:fld id="{9FC0BFC7-9195-41BB-B7AD-F567885A26D7}" type="slidenum">
               <a:rPr lang="es-MX" smtClean="0"/>
-              <a:t>‹Nº›</a:t>
+              <a:t>‹#›</a:t>
             </a:fld>
             <a:endParaRPr lang="es-MX" dirty="0"/>
           </a:p>
@@ -2917,7 +2922,7 @@
           <a:ln/>
           <a:extLst>
             <a:ext uri="{91240B29-F687-4f45-9708-019B960494DF}">
-              <a14:hiddenLine xmlns:a14="http://schemas.microsoft.com/office/drawing/2010/main" xmlns="" w="9525">
+              <a14:hiddenLine xmlns="" xmlns:a14="http://schemas.microsoft.com/office/drawing/2010/main" w="9525">
                 <a:solidFill>
                   <a:srgbClr val="000000"/>
                 </a:solidFill>
@@ -2959,7 +2964,7 @@
           <a:lstStyle/>
           <a:p>
             <a:r>
-              <a:rPr lang="es-ES" smtClean="0"/>
+              <a:rPr lang="es-ES"/>
               <a:t>Haga clic para modificar el estilo de título del patrón</a:t>
             </a:r>
             <a:endParaRPr lang="en-US" dirty="0"/>
@@ -2990,35 +2995,35 @@
           <a:p>
             <a:pPr lvl="0"/>
             <a:r>
-              <a:rPr lang="es-ES" smtClean="0"/>
+              <a:rPr lang="es-ES"/>
               <a:t>Editar el estilo de texto del patrón</a:t>
             </a:r>
           </a:p>
           <a:p>
             <a:pPr lvl="1"/>
             <a:r>
-              <a:rPr lang="es-ES" smtClean="0"/>
+              <a:rPr lang="es-ES"/>
               <a:t>Segundo nivel</a:t>
             </a:r>
           </a:p>
           <a:p>
             <a:pPr lvl="2"/>
             <a:r>
-              <a:rPr lang="es-ES" smtClean="0"/>
+              <a:rPr lang="es-ES"/>
               <a:t>Tercer nivel</a:t>
             </a:r>
           </a:p>
           <a:p>
             <a:pPr lvl="3"/>
             <a:r>
-              <a:rPr lang="es-ES" smtClean="0"/>
+              <a:rPr lang="es-ES"/>
               <a:t>Cuarto nivel</a:t>
             </a:r>
           </a:p>
           <a:p>
             <a:pPr lvl="4"/>
             <a:r>
-              <a:rPr lang="es-ES" smtClean="0"/>
+              <a:rPr lang="es-ES"/>
               <a:t>Quinto nivel</a:t>
             </a:r>
             <a:endParaRPr lang="en-US" dirty="0"/>
@@ -3049,35 +3054,35 @@
           <a:p>
             <a:pPr lvl="0"/>
             <a:r>
-              <a:rPr lang="es-ES" smtClean="0"/>
+              <a:rPr lang="es-ES"/>
               <a:t>Editar el estilo de texto del patrón</a:t>
             </a:r>
           </a:p>
           <a:p>
             <a:pPr lvl="1"/>
             <a:r>
-              <a:rPr lang="es-ES" smtClean="0"/>
+              <a:rPr lang="es-ES"/>
               <a:t>Segundo nivel</a:t>
             </a:r>
           </a:p>
           <a:p>
             <a:pPr lvl="2"/>
             <a:r>
-              <a:rPr lang="es-ES" smtClean="0"/>
+              <a:rPr lang="es-ES"/>
               <a:t>Tercer nivel</a:t>
             </a:r>
           </a:p>
           <a:p>
             <a:pPr lvl="3"/>
             <a:r>
-              <a:rPr lang="es-ES" smtClean="0"/>
+              <a:rPr lang="es-ES"/>
               <a:t>Cuarto nivel</a:t>
             </a:r>
           </a:p>
           <a:p>
             <a:pPr lvl="4"/>
             <a:r>
-              <a:rPr lang="es-ES" smtClean="0"/>
+              <a:rPr lang="es-ES"/>
               <a:t>Quinto nivel</a:t>
             </a:r>
             <a:endParaRPr lang="en-US" dirty="0"/>
@@ -3101,7 +3106,7 @@
           <a:p>
             <a:fld id="{8CA34CF7-5ABB-4620-B6B7-0EEDDD8EB9B3}" type="datetimeFigureOut">
               <a:rPr lang="es-MX" smtClean="0"/>
-              <a:t>23/02/2022</a:t>
+              <a:t>24/02/2022</a:t>
             </a:fld>
             <a:endParaRPr lang="es-MX" dirty="0"/>
           </a:p>
@@ -3143,7 +3148,7 @@
           <a:p>
             <a:fld id="{9FC0BFC7-9195-41BB-B7AD-F567885A26D7}" type="slidenum">
               <a:rPr lang="es-MX" smtClean="0"/>
-              <a:t>‹Nº›</a:t>
+              <a:t>‹#›</a:t>
             </a:fld>
             <a:endParaRPr lang="es-MX" dirty="0"/>
           </a:p>
@@ -3256,7 +3261,7 @@
           <a:ln/>
           <a:extLst>
             <a:ext uri="{91240B29-F687-4f45-9708-019B960494DF}">
-              <a14:hiddenLine xmlns:a14="http://schemas.microsoft.com/office/drawing/2010/main" xmlns="" w="9525">
+              <a14:hiddenLine xmlns="" xmlns:a14="http://schemas.microsoft.com/office/drawing/2010/main" w="9525">
                 <a:solidFill>
                   <a:srgbClr val="000000"/>
                 </a:solidFill>
@@ -3302,7 +3307,7 @@
           </a:lstStyle>
           <a:p>
             <a:r>
-              <a:rPr lang="es-ES" smtClean="0"/>
+              <a:rPr lang="es-ES"/>
               <a:t>Haga clic para modificar el estilo de título del patrón</a:t>
             </a:r>
             <a:endParaRPr lang="en-US" dirty="0"/>
@@ -3370,7 +3375,7 @@
           <a:p>
             <a:pPr lvl="0"/>
             <a:r>
-              <a:rPr lang="es-ES" smtClean="0"/>
+              <a:rPr lang="es-ES"/>
               <a:t>Editar el estilo de texto del patrón</a:t>
             </a:r>
           </a:p>
@@ -3400,35 +3405,35 @@
           <a:p>
             <a:pPr lvl="0"/>
             <a:r>
-              <a:rPr lang="es-ES" smtClean="0"/>
+              <a:rPr lang="es-ES"/>
               <a:t>Editar el estilo de texto del patrón</a:t>
             </a:r>
           </a:p>
           <a:p>
             <a:pPr lvl="1"/>
             <a:r>
-              <a:rPr lang="es-ES" smtClean="0"/>
+              <a:rPr lang="es-ES"/>
               <a:t>Segundo nivel</a:t>
             </a:r>
           </a:p>
           <a:p>
             <a:pPr lvl="2"/>
             <a:r>
-              <a:rPr lang="es-ES" smtClean="0"/>
+              <a:rPr lang="es-ES"/>
               <a:t>Tercer nivel</a:t>
             </a:r>
           </a:p>
           <a:p>
             <a:pPr lvl="3"/>
             <a:r>
-              <a:rPr lang="es-ES" smtClean="0"/>
+              <a:rPr lang="es-ES"/>
               <a:t>Cuarto nivel</a:t>
             </a:r>
           </a:p>
           <a:p>
             <a:pPr lvl="4"/>
             <a:r>
-              <a:rPr lang="es-ES" smtClean="0"/>
+              <a:rPr lang="es-ES"/>
               <a:t>Quinto nivel</a:t>
             </a:r>
             <a:endParaRPr lang="en-US" dirty="0"/>
@@ -3496,7 +3501,7 @@
           <a:p>
             <a:pPr lvl="0"/>
             <a:r>
-              <a:rPr lang="es-ES" smtClean="0"/>
+              <a:rPr lang="es-ES"/>
               <a:t>Editar el estilo de texto del patrón</a:t>
             </a:r>
           </a:p>
@@ -3526,35 +3531,35 @@
           <a:p>
             <a:pPr lvl="0"/>
             <a:r>
-              <a:rPr lang="es-ES" smtClean="0"/>
+              <a:rPr lang="es-ES"/>
               <a:t>Editar el estilo de texto del patrón</a:t>
             </a:r>
           </a:p>
           <a:p>
             <a:pPr lvl="1"/>
             <a:r>
-              <a:rPr lang="es-ES" smtClean="0"/>
+              <a:rPr lang="es-ES"/>
               <a:t>Segundo nivel</a:t>
             </a:r>
           </a:p>
           <a:p>
             <a:pPr lvl="2"/>
             <a:r>
-              <a:rPr lang="es-ES" smtClean="0"/>
+              <a:rPr lang="es-ES"/>
               <a:t>Tercer nivel</a:t>
             </a:r>
           </a:p>
           <a:p>
             <a:pPr lvl="3"/>
             <a:r>
-              <a:rPr lang="es-ES" smtClean="0"/>
+              <a:rPr lang="es-ES"/>
               <a:t>Cuarto nivel</a:t>
             </a:r>
           </a:p>
           <a:p>
             <a:pPr lvl="4"/>
             <a:r>
-              <a:rPr lang="es-ES" smtClean="0"/>
+              <a:rPr lang="es-ES"/>
               <a:t>Quinto nivel</a:t>
             </a:r>
             <a:endParaRPr lang="en-US" dirty="0"/>
@@ -3578,7 +3583,7 @@
           <a:p>
             <a:fld id="{8CA34CF7-5ABB-4620-B6B7-0EEDDD8EB9B3}" type="datetimeFigureOut">
               <a:rPr lang="es-MX" smtClean="0"/>
-              <a:t>23/02/2022</a:t>
+              <a:t>24/02/2022</a:t>
             </a:fld>
             <a:endParaRPr lang="es-MX" dirty="0"/>
           </a:p>
@@ -3620,7 +3625,7 @@
           <a:p>
             <a:fld id="{9FC0BFC7-9195-41BB-B7AD-F567885A26D7}" type="slidenum">
               <a:rPr lang="es-MX" smtClean="0"/>
-              <a:t>‹Nº›</a:t>
+              <a:t>‹#›</a:t>
             </a:fld>
             <a:endParaRPr lang="es-MX" dirty="0"/>
           </a:p>
@@ -3733,7 +3738,7 @@
           <a:ln/>
           <a:extLst>
             <a:ext uri="{91240B29-F687-4f45-9708-019B960494DF}">
-              <a14:hiddenLine xmlns:a14="http://schemas.microsoft.com/office/drawing/2010/main" xmlns="" w="9525">
+              <a14:hiddenLine xmlns="" xmlns:a14="http://schemas.microsoft.com/office/drawing/2010/main" w="9525">
                 <a:solidFill>
                   <a:srgbClr val="000000"/>
                 </a:solidFill>
@@ -3775,7 +3780,7 @@
           <a:lstStyle/>
           <a:p>
             <a:r>
-              <a:rPr lang="es-ES" smtClean="0"/>
+              <a:rPr lang="es-ES"/>
               <a:t>Haga clic para modificar el estilo de título del patrón</a:t>
             </a:r>
             <a:endParaRPr lang="en-US" dirty="0"/>
@@ -3799,7 +3804,7 @@
           <a:p>
             <a:fld id="{8CA34CF7-5ABB-4620-B6B7-0EEDDD8EB9B3}" type="datetimeFigureOut">
               <a:rPr lang="es-MX" smtClean="0"/>
-              <a:t>23/02/2022</a:t>
+              <a:t>24/02/2022</a:t>
             </a:fld>
             <a:endParaRPr lang="es-MX" dirty="0"/>
           </a:p>
@@ -3841,7 +3846,7 @@
           <a:p>
             <a:fld id="{9FC0BFC7-9195-41BB-B7AD-F567885A26D7}" type="slidenum">
               <a:rPr lang="es-MX" smtClean="0"/>
-              <a:t>‹Nº›</a:t>
+              <a:t>‹#›</a:t>
             </a:fld>
             <a:endParaRPr lang="es-MX" dirty="0"/>
           </a:p>
@@ -3894,7 +3899,7 @@
           <a:p>
             <a:fld id="{8CA34CF7-5ABB-4620-B6B7-0EEDDD8EB9B3}" type="datetimeFigureOut">
               <a:rPr lang="es-MX" smtClean="0"/>
-              <a:t>23/02/2022</a:t>
+              <a:t>24/02/2022</a:t>
             </a:fld>
             <a:endParaRPr lang="es-MX" dirty="0"/>
           </a:p>
@@ -3936,7 +3941,7 @@
           <a:p>
             <a:fld id="{9FC0BFC7-9195-41BB-B7AD-F567885A26D7}" type="slidenum">
               <a:rPr lang="es-MX" smtClean="0"/>
-              <a:t>‹Nº›</a:t>
+              <a:t>‹#›</a:t>
             </a:fld>
             <a:endParaRPr lang="es-MX" dirty="0"/>
           </a:p>
@@ -4162,7 +4167,7 @@
           <a:ln/>
           <a:extLst>
             <a:ext uri="{91240B29-F687-4f45-9708-019B960494DF}">
-              <a14:hiddenLine xmlns:a14="http://schemas.microsoft.com/office/drawing/2010/main" xmlns="" w="9525">
+              <a14:hiddenLine xmlns="" xmlns:a14="http://schemas.microsoft.com/office/drawing/2010/main" w="9525">
                 <a:solidFill>
                   <a:srgbClr val="000000"/>
                 </a:solidFill>
@@ -4213,7 +4218,7 @@
           </a:lstStyle>
           <a:p>
             <a:r>
-              <a:rPr lang="es-ES" smtClean="0"/>
+              <a:rPr lang="es-ES"/>
               <a:t>Haga clic para modificar el estilo de título del patrón</a:t>
             </a:r>
             <a:endParaRPr lang="en-US" dirty="0"/>
@@ -4244,35 +4249,35 @@
           <a:p>
             <a:pPr lvl="0"/>
             <a:r>
-              <a:rPr lang="es-ES" smtClean="0"/>
+              <a:rPr lang="es-ES"/>
               <a:t>Editar el estilo de texto del patrón</a:t>
             </a:r>
           </a:p>
           <a:p>
             <a:pPr lvl="1"/>
             <a:r>
-              <a:rPr lang="es-ES" smtClean="0"/>
+              <a:rPr lang="es-ES"/>
               <a:t>Segundo nivel</a:t>
             </a:r>
           </a:p>
           <a:p>
             <a:pPr lvl="2"/>
             <a:r>
-              <a:rPr lang="es-ES" smtClean="0"/>
+              <a:rPr lang="es-ES"/>
               <a:t>Tercer nivel</a:t>
             </a:r>
           </a:p>
           <a:p>
             <a:pPr lvl="3"/>
             <a:r>
-              <a:rPr lang="es-ES" smtClean="0"/>
+              <a:rPr lang="es-ES"/>
               <a:t>Cuarto nivel</a:t>
             </a:r>
           </a:p>
           <a:p>
             <a:pPr lvl="4"/>
             <a:r>
-              <a:rPr lang="es-ES" smtClean="0"/>
+              <a:rPr lang="es-ES"/>
               <a:t>Quinto nivel</a:t>
             </a:r>
             <a:endParaRPr lang="en-US" dirty="0"/>
@@ -4338,7 +4343,7 @@
           <a:p>
             <a:pPr lvl="0"/>
             <a:r>
-              <a:rPr lang="es-ES" smtClean="0"/>
+              <a:rPr lang="es-ES"/>
               <a:t>Editar el estilo de texto del patrón</a:t>
             </a:r>
           </a:p>
@@ -4361,7 +4366,7 @@
           <a:p>
             <a:fld id="{8CA34CF7-5ABB-4620-B6B7-0EEDDD8EB9B3}" type="datetimeFigureOut">
               <a:rPr lang="es-MX" smtClean="0"/>
-              <a:t>23/02/2022</a:t>
+              <a:t>24/02/2022</a:t>
             </a:fld>
             <a:endParaRPr lang="es-MX" dirty="0"/>
           </a:p>
@@ -4403,7 +4408,7 @@
           <a:p>
             <a:fld id="{9FC0BFC7-9195-41BB-B7AD-F567885A26D7}" type="slidenum">
               <a:rPr lang="es-MX" smtClean="0"/>
-              <a:t>‹Nº›</a:t>
+              <a:t>‹#›</a:t>
             </a:fld>
             <a:endParaRPr lang="es-MX" dirty="0"/>
           </a:p>
@@ -4466,7 +4471,7 @@
           </a:lstStyle>
           <a:p>
             <a:r>
-              <a:rPr lang="es-ES" smtClean="0"/>
+              <a:rPr lang="es-ES"/>
               <a:t>Haga clic para modificar el estilo de título del patrón</a:t>
             </a:r>
             <a:endParaRPr lang="en-US" dirty="0"/>
@@ -4578,7 +4583,7 @@
           </a:lstStyle>
           <a:p>
             <a:r>
-              <a:rPr lang="es-ES" dirty="0" smtClean="0"/>
+              <a:rPr lang="es-ES" dirty="0"/>
               <a:t>Haga clic en el icono para agregar una imagen</a:t>
             </a:r>
             <a:endParaRPr lang="en-US" dirty="0"/>
@@ -4646,7 +4651,7 @@
           <a:p>
             <a:pPr lvl="0"/>
             <a:r>
-              <a:rPr lang="es-ES" smtClean="0"/>
+              <a:rPr lang="es-ES"/>
               <a:t>Editar el estilo de texto del patrón</a:t>
             </a:r>
           </a:p>
@@ -4674,7 +4679,7 @@
           <a:p>
             <a:fld id="{8CA34CF7-5ABB-4620-B6B7-0EEDDD8EB9B3}" type="datetimeFigureOut">
               <a:rPr lang="es-MX" smtClean="0"/>
-              <a:t>23/02/2022</a:t>
+              <a:t>24/02/2022</a:t>
             </a:fld>
             <a:endParaRPr lang="es-MX" dirty="0"/>
           </a:p>
@@ -4726,7 +4731,7 @@
           <a:p>
             <a:fld id="{9FC0BFC7-9195-41BB-B7AD-F567885A26D7}" type="slidenum">
               <a:rPr lang="es-MX" smtClean="0"/>
-              <a:t>‹Nº›</a:t>
+              <a:t>‹#›</a:t>
             </a:fld>
             <a:endParaRPr lang="es-MX" dirty="0"/>
           </a:p>
@@ -4809,7 +4814,7 @@
           <a:lstStyle/>
           <a:p>
             <a:r>
-              <a:rPr lang="es-ES" smtClean="0"/>
+              <a:rPr lang="es-ES"/>
               <a:t>Haga clic para modificar el estilo de título del patrón</a:t>
             </a:r>
             <a:endParaRPr lang="en-US" dirty="0"/>
@@ -4850,35 +4855,35 @@
           <a:p>
             <a:pPr lvl="0"/>
             <a:r>
-              <a:rPr lang="es-ES" smtClean="0"/>
+              <a:rPr lang="es-ES"/>
               <a:t>Editar el estilo de texto del patrón</a:t>
             </a:r>
           </a:p>
           <a:p>
             <a:pPr lvl="1"/>
             <a:r>
-              <a:rPr lang="es-ES" smtClean="0"/>
+              <a:rPr lang="es-ES"/>
               <a:t>Segundo nivel</a:t>
             </a:r>
           </a:p>
           <a:p>
             <a:pPr lvl="2"/>
             <a:r>
-              <a:rPr lang="es-ES" smtClean="0"/>
+              <a:rPr lang="es-ES"/>
               <a:t>Tercer nivel</a:t>
             </a:r>
           </a:p>
           <a:p>
             <a:pPr lvl="3"/>
             <a:r>
-              <a:rPr lang="es-ES" smtClean="0"/>
+              <a:rPr lang="es-ES"/>
               <a:t>Cuarto nivel</a:t>
             </a:r>
           </a:p>
           <a:p>
             <a:pPr lvl="4"/>
             <a:r>
-              <a:rPr lang="es-ES" smtClean="0"/>
+              <a:rPr lang="es-ES"/>
               <a:t>Quinto nivel</a:t>
             </a:r>
             <a:endParaRPr lang="en-US" dirty="0"/>
@@ -4953,7 +4958,7 @@
           <a:p>
             <a:fld id="{8CA34CF7-5ABB-4620-B6B7-0EEDDD8EB9B3}" type="datetimeFigureOut">
               <a:rPr lang="es-MX" smtClean="0"/>
-              <a:t>23/02/2022</a:t>
+              <a:t>24/02/2022</a:t>
             </a:fld>
             <a:endParaRPr lang="es-MX" dirty="0"/>
           </a:p>
@@ -4992,7 +4997,7 @@
           <a:p>
             <a:fld id="{9FC0BFC7-9195-41BB-B7AD-F567885A26D7}" type="slidenum">
               <a:rPr lang="es-MX" smtClean="0"/>
-              <a:t>‹Nº›</a:t>
+              <a:t>‹#›</a:t>
             </a:fld>
             <a:endParaRPr lang="es-MX" dirty="0"/>
           </a:p>
@@ -5501,10 +5506,9 @@
           <a:p>
             <a:pPr algn="ctr"/>
             <a:r>
-              <a:rPr lang="es-MX" sz="7200" dirty="0" smtClean="0"/>
+              <a:rPr lang="es-MX" sz="7200" dirty="0"/>
               <a:t>CSS</a:t>
             </a:r>
-            <a:endParaRPr lang="es-MX" sz="7200" dirty="0"/>
           </a:p>
         </p:txBody>
       </p:sp>
@@ -5736,7 +5740,7 @@
               <a:buNone/>
             </a:pPr>
             <a:r>
-              <a:rPr lang="es-MX" sz="2400" dirty="0" smtClean="0"/>
+              <a:rPr lang="es-MX" sz="2400" dirty="0"/>
               <a:t>Presentado por:</a:t>
             </a:r>
           </a:p>
@@ -5754,12 +5758,8 @@
               <a:buNone/>
             </a:pPr>
             <a:r>
-              <a:rPr lang="es-MX" sz="2400" dirty="0" smtClean="0"/>
-              <a:t>-Juan </a:t>
-            </a:r>
-            <a:r>
               <a:rPr lang="es-MX" sz="2400" dirty="0"/>
-              <a:t>Kaleb Rodríguez Esparza</a:t>
+              <a:t>-Juan Kaleb Rodríguez Esparza</a:t>
             </a:r>
           </a:p>
         </p:txBody>
@@ -6105,14 +6105,14 @@
               <a:buNone/>
             </a:pPr>
             <a:r>
-              <a:rPr lang="es-MX" sz="2400" dirty="0" smtClean="0">
+              <a:rPr lang="es-MX" sz="2400" dirty="0">
                 <a:latin typeface="Calibri" panose="020F0502020204030204" pitchFamily="34" charset="0"/>
                 <a:cs typeface="Calibri" panose="020F0502020204030204" pitchFamily="34" charset="0"/>
               </a:rPr>
               <a:t>Materia: Programación Web Front </a:t>
             </a:r>
             <a:r>
-              <a:rPr lang="en-US" sz="2400" dirty="0" smtClean="0">
+              <a:rPr lang="en-US" sz="2400" dirty="0">
                 <a:latin typeface="Calibri" panose="020F0502020204030204" pitchFamily="34" charset="0"/>
                 <a:cs typeface="Calibri" panose="020F0502020204030204" pitchFamily="34" charset="0"/>
               </a:rPr>
@@ -6124,18 +6124,11 @@
               <a:buNone/>
             </a:pPr>
             <a:r>
-              <a:rPr lang="es-MX" sz="2400" dirty="0" smtClean="0">
-                <a:latin typeface="Calibri" panose="020F0502020204030204" pitchFamily="34" charset="0"/>
-                <a:cs typeface="Calibri" panose="020F0502020204030204" pitchFamily="34" charset="0"/>
-              </a:rPr>
-              <a:t>Docente</a:t>
-            </a:r>
-            <a:r>
               <a:rPr lang="es-MX" sz="2400" dirty="0">
                 <a:latin typeface="Calibri" panose="020F0502020204030204" pitchFamily="34" charset="0"/>
                 <a:cs typeface="Calibri" panose="020F0502020204030204" pitchFamily="34" charset="0"/>
               </a:rPr>
-              <a:t>: Carlos Humberto Rubio Rascón</a:t>
+              <a:t>Docente: Carlos Humberto Rubio Rascón</a:t>
             </a:r>
           </a:p>
         </p:txBody>
@@ -6150,13 +6143,6 @@
   <p:clrMapOvr>
     <a:masterClrMapping/>
   </p:clrMapOvr>
-  <p:timing>
-    <p:tnLst>
-      <p:par>
-        <p:cTn id="1" dur="indefinite" restart="never" nodeType="tmRoot"/>
-      </p:par>
-    </p:tnLst>
-  </p:timing>
 </p:sld>
 </file>
 
@@ -6200,7 +6186,7 @@
           <a:lstStyle/>
           <a:p>
             <a:r>
-              <a:rPr lang="es-MX" sz="4400" dirty="0" smtClean="0"/>
+              <a:rPr lang="es-MX" sz="4400" dirty="0"/>
               <a:t>Referencias:</a:t>
             </a:r>
             <a:endParaRPr lang="en-US" sz="4400" dirty="0"/>
@@ -6242,116 +6228,116 @@
           <a:lstStyle/>
           <a:p>
             <a:r>
-              <a:rPr lang="es-MX" sz="2000" dirty="0" smtClean="0"/>
+              <a:rPr lang="es-MX" sz="2000" dirty="0"/>
               <a:t>-CSS: </a:t>
             </a:r>
             <a:r>
-              <a:rPr lang="es-MX" sz="2000" dirty="0" err="1" smtClean="0"/>
+              <a:rPr lang="es-MX" sz="2000" dirty="0" err="1"/>
               <a:t>Cascading</a:t>
             </a:r>
             <a:r>
-              <a:rPr lang="es-MX" sz="2000" dirty="0" smtClean="0"/>
+              <a:rPr lang="es-MX" sz="2000" dirty="0"/>
               <a:t> Style </a:t>
             </a:r>
             <a:r>
-              <a:rPr lang="es-MX" sz="2000" dirty="0" err="1" smtClean="0"/>
+              <a:rPr lang="es-MX" sz="2000" dirty="0" err="1"/>
               <a:t>Sheets</a:t>
             </a:r>
             <a:r>
-              <a:rPr lang="es-MX" sz="2000" dirty="0" smtClean="0"/>
+              <a:rPr lang="es-MX" sz="2000" dirty="0"/>
               <a:t> | MDN</a:t>
             </a:r>
           </a:p>
           <a:p>
             <a:r>
-              <a:rPr lang="es-MX" sz="2000" dirty="0" smtClean="0">
+              <a:rPr lang="es-MX" sz="2000" dirty="0">
                 <a:hlinkClick r:id="rId2"/>
               </a:rPr>
               <a:t>https://developer.mozilla.org/en-US/docs/Web/CSS</a:t>
             </a:r>
-            <a:endParaRPr lang="es-MX" sz="2000" dirty="0" smtClean="0"/>
-          </a:p>
-          <a:p>
             <a:endParaRPr lang="es-MX" sz="2000" dirty="0"/>
           </a:p>
           <a:p>
-            <a:r>
-              <a:rPr lang="es-MX" sz="2000" dirty="0" smtClean="0"/>
+            <a:endParaRPr lang="es-MX" sz="2000" dirty="0"/>
+          </a:p>
+          <a:p>
+            <a:r>
+              <a:rPr lang="es-MX" sz="2000" dirty="0"/>
               <a:t>-¿Es CSS un lenguaje de programación? ¿Para qué sirve? Diferencias de HTML, CSS, PHP, ASP... (CU01004D)</a:t>
             </a:r>
           </a:p>
           <a:p>
             <a:r>
-              <a:rPr lang="es-MX" sz="2000" dirty="0" smtClean="0">
+              <a:rPr lang="es-MX" sz="2000" dirty="0">
                 <a:hlinkClick r:id="rId3"/>
               </a:rPr>
               <a:t>https://www.aprenderaprogramar.com/index.php?option=com_content&amp;view=article&amp;id=707:ies-css-un-lenguaje-de-programacion-ipara-que-sirve-diferencias-entre-html-css-php-asp-cu01004d&amp;catid=75&amp;Itemid=203</a:t>
             </a:r>
-            <a:endParaRPr lang="es-MX" sz="2000" dirty="0" smtClean="0"/>
-          </a:p>
-          <a:p>
             <a:endParaRPr lang="es-MX" sz="2000" dirty="0"/>
           </a:p>
           <a:p>
-            <a:r>
-              <a:rPr lang="es-MX" sz="2000" dirty="0" smtClean="0"/>
+            <a:endParaRPr lang="es-MX" sz="2000" dirty="0"/>
+          </a:p>
+          <a:p>
+            <a:r>
+              <a:rPr lang="es-MX" sz="2000" dirty="0"/>
               <a:t>-Cambios entre CSS y CSS3 | </a:t>
             </a:r>
             <a:r>
-              <a:rPr lang="es-MX" sz="2000" dirty="0" err="1" smtClean="0"/>
+              <a:rPr lang="es-MX" sz="2000" dirty="0" err="1"/>
               <a:t>OpenWebinars</a:t>
             </a:r>
-            <a:endParaRPr lang="es-MX" sz="2000" dirty="0" smtClean="0"/>
-          </a:p>
-          <a:p>
-            <a:r>
-              <a:rPr lang="es-MX" sz="2000" dirty="0" smtClean="0">
+            <a:endParaRPr lang="es-MX" sz="2000" dirty="0"/>
+          </a:p>
+          <a:p>
+            <a:r>
+              <a:rPr lang="es-MX" sz="2000" dirty="0">
                 <a:hlinkClick r:id="rId4"/>
               </a:rPr>
               <a:t>https://openwebinars.net/blog/cambios-css-y-css3/</a:t>
             </a:r>
-            <a:endParaRPr lang="es-MX" sz="2000" dirty="0" smtClean="0"/>
-          </a:p>
-          <a:p>
             <a:endParaRPr lang="es-MX" sz="2000" dirty="0"/>
           </a:p>
           <a:p>
-            <a:r>
-              <a:rPr lang="es-MX" sz="2000" dirty="0" smtClean="0"/>
+            <a:endParaRPr lang="es-MX" sz="2000" dirty="0"/>
+          </a:p>
+          <a:p>
+            <a:r>
+              <a:rPr lang="es-MX" sz="2000" dirty="0"/>
               <a:t>-CSS - Conecta Software</a:t>
             </a:r>
           </a:p>
           <a:p>
             <a:r>
-              <a:rPr lang="es-MX" sz="2000" dirty="0" smtClean="0">
+              <a:rPr lang="es-MX" sz="2000" dirty="0">
                 <a:hlinkClick r:id="rId5"/>
               </a:rPr>
               <a:t>https://conectasoftware.com/glosario/css/</a:t>
             </a:r>
-            <a:endParaRPr lang="es-MX" sz="2000" dirty="0" smtClean="0"/>
-          </a:p>
-          <a:p>
             <a:endParaRPr lang="es-MX" sz="2000" dirty="0"/>
           </a:p>
           <a:p>
-            <a:r>
-              <a:rPr lang="es-MX" sz="2000" dirty="0" smtClean="0"/>
+            <a:endParaRPr lang="es-MX" sz="2000" dirty="0"/>
+          </a:p>
+          <a:p>
+            <a:r>
+              <a:rPr lang="es-MX" sz="2000" dirty="0"/>
               <a:t>-</a:t>
             </a:r>
             <a:r>
-              <a:rPr lang="en-US" sz="2000" dirty="0" smtClean="0"/>
+              <a:rPr lang="en-US" sz="2000" dirty="0"/>
               <a:t>What is CSS? Difference Between CSS, CSS2 And CSS3</a:t>
             </a:r>
-            <a:endParaRPr lang="es-MX" sz="2000" dirty="0" smtClean="0"/>
-          </a:p>
-          <a:p>
-            <a:r>
-              <a:rPr lang="es-MX" sz="2000" dirty="0" smtClean="0">
+            <a:endParaRPr lang="es-MX" sz="2000" dirty="0"/>
+          </a:p>
+          <a:p>
+            <a:r>
+              <a:rPr lang="es-MX" sz="2000" dirty="0">
                 <a:hlinkClick r:id="rId6"/>
               </a:rPr>
               <a:t>https://hackr.io/blog/difference-between-css-css2-and-css3</a:t>
             </a:r>
-            <a:endParaRPr lang="es-MX" sz="2000" dirty="0" smtClean="0"/>
+            <a:endParaRPr lang="es-MX" sz="2000" dirty="0"/>
           </a:p>
         </p:txBody>
       </p:sp>
@@ -6365,13 +6351,6 @@
   <p:clrMapOvr>
     <a:masterClrMapping/>
   </p:clrMapOvr>
-  <p:timing>
-    <p:tnLst>
-      <p:par>
-        <p:cTn id="1" dur="indefinite" restart="never" nodeType="tmRoot"/>
-      </p:par>
-    </p:tnLst>
-  </p:timing>
 </p:sld>
 </file>
 
@@ -6415,22 +6394,21 @@
           <a:lstStyle/>
           <a:p>
             <a:r>
-              <a:rPr lang="es-MX" sz="4400" dirty="0" smtClean="0"/>
+              <a:rPr lang="es-MX" sz="4400" dirty="0"/>
               <a:t>CSS: </a:t>
             </a:r>
             <a:r>
-              <a:rPr lang="en-US" sz="4400" dirty="0" smtClean="0"/>
+              <a:rPr lang="en-US" sz="4400" dirty="0"/>
               <a:t>Cascading</a:t>
             </a:r>
             <a:r>
-              <a:rPr lang="es-MX" sz="4400" dirty="0" smtClean="0"/>
+              <a:rPr lang="es-MX" sz="4400" dirty="0"/>
               <a:t> Style </a:t>
             </a:r>
             <a:r>
-              <a:rPr lang="en-US" sz="4400" dirty="0" smtClean="0"/>
+              <a:rPr lang="en-US" sz="4400" dirty="0"/>
               <a:t>Sheets</a:t>
             </a:r>
-            <a:endParaRPr lang="en-US" sz="4400" dirty="0"/>
           </a:p>
         </p:txBody>
       </p:sp>
@@ -6468,22 +6446,21 @@
           <a:lstStyle/>
           <a:p>
             <a:r>
-              <a:rPr lang="es-MX" sz="2400" dirty="0" smtClean="0"/>
+              <a:rPr lang="es-MX" sz="2400" dirty="0"/>
               <a:t>-CSS es un lenguaje de estilos utilizado para definir la presentación de un documento escrito en HTML o XML, entre otros.</a:t>
             </a:r>
           </a:p>
           <a:p>
-            <a:endParaRPr lang="es-MX" sz="2400" dirty="0" smtClean="0"/>
-          </a:p>
-          <a:p>
             <a:endParaRPr lang="es-MX" sz="2400" dirty="0"/>
           </a:p>
           <a:p>
-            <a:r>
-              <a:rPr lang="es-MX" sz="2400" dirty="0" smtClean="0"/>
+            <a:endParaRPr lang="es-MX" sz="2400" dirty="0"/>
+          </a:p>
+          <a:p>
+            <a:r>
+              <a:rPr lang="es-MX" sz="2400" dirty="0"/>
               <a:t>-No es un lenguaje de programación.</a:t>
             </a:r>
-            <a:endParaRPr lang="es-MX" sz="2400" dirty="0"/>
           </a:p>
         </p:txBody>
       </p:sp>
@@ -6521,13 +6498,6 @@
   <p:clrMapOvr>
     <a:masterClrMapping/>
   </p:clrMapOvr>
-  <p:timing>
-    <p:tnLst>
-      <p:par>
-        <p:cTn id="1" dur="indefinite" restart="never" nodeType="tmRoot"/>
-      </p:par>
-    </p:tnLst>
-  </p:timing>
 </p:sld>
 </file>
 
@@ -6571,7 +6541,7 @@
           <a:lstStyle/>
           <a:p>
             <a:r>
-              <a:rPr lang="es-MX" sz="4400" dirty="0" smtClean="0"/>
+              <a:rPr lang="es-MX" sz="4400" dirty="0"/>
               <a:t>Versiones de CSS</a:t>
             </a:r>
             <a:endParaRPr lang="en-US" sz="4400" dirty="0"/>
@@ -6611,38 +6581,38 @@
           <a:lstStyle/>
           <a:p>
             <a:r>
-              <a:rPr lang="es-MX" sz="2800" dirty="0" smtClean="0"/>
+              <a:rPr lang="es-MX" sz="2800" dirty="0"/>
               <a:t>CSS 1.0, 1996</a:t>
             </a:r>
           </a:p>
           <a:p>
-            <a:endParaRPr lang="es-MX" sz="2800" dirty="0" smtClean="0"/>
-          </a:p>
-          <a:p>
-            <a:r>
-              <a:rPr lang="es-MX" sz="2800" dirty="0" smtClean="0"/>
+            <a:endParaRPr lang="es-MX" sz="2800" dirty="0"/>
+          </a:p>
+          <a:p>
+            <a:r>
+              <a:rPr lang="es-MX" sz="2800" dirty="0"/>
               <a:t>-Tipo de letra</a:t>
             </a:r>
           </a:p>
           <a:p>
             <a:r>
-              <a:rPr lang="es-MX" sz="2800" dirty="0" smtClean="0"/>
+              <a:rPr lang="es-MX" sz="2800" dirty="0"/>
               <a:t>-Color de texto y fondo</a:t>
             </a:r>
           </a:p>
           <a:p>
             <a:r>
-              <a:rPr lang="es-MX" sz="2800" dirty="0" smtClean="0"/>
+              <a:rPr lang="es-MX" sz="2800" dirty="0"/>
               <a:t>-Alinear texto con tablas e imágenes</a:t>
             </a:r>
           </a:p>
           <a:p>
             <a:r>
-              <a:rPr lang="es-MX" sz="2800" dirty="0" smtClean="0"/>
+              <a:rPr lang="es-MX" sz="2800" dirty="0"/>
               <a:t>-Margen, borde y </a:t>
             </a:r>
             <a:r>
-              <a:rPr lang="es-MX" sz="2800" dirty="0" err="1" smtClean="0"/>
+              <a:rPr lang="es-MX" sz="2800" dirty="0" err="1"/>
               <a:t>padding</a:t>
             </a:r>
             <a:endParaRPr lang="es-MX" sz="2800" dirty="0"/>
@@ -6682,47 +6652,47 @@
           <a:lstStyle/>
           <a:p>
             <a:r>
-              <a:rPr lang="es-MX" sz="2800" dirty="0" smtClean="0"/>
+              <a:rPr lang="es-MX" sz="2800" dirty="0"/>
               <a:t>CSS3, 1999</a:t>
             </a:r>
           </a:p>
           <a:p>
-            <a:endParaRPr lang="es-MX" sz="2800" dirty="0" smtClean="0"/>
-          </a:p>
-          <a:p>
-            <a:r>
-              <a:rPr lang="es-MX" sz="2800" dirty="0" smtClean="0"/>
+            <a:endParaRPr lang="es-MX" sz="2800" dirty="0"/>
+          </a:p>
+          <a:p>
+            <a:r>
+              <a:rPr lang="es-MX" sz="2800" dirty="0"/>
               <a:t>-Modular</a:t>
             </a:r>
           </a:p>
           <a:p>
             <a:r>
-              <a:rPr lang="es-MX" sz="2800" dirty="0" smtClean="0"/>
+              <a:rPr lang="es-MX" sz="2800" dirty="0"/>
               <a:t>-Bordes estilizados</a:t>
             </a:r>
           </a:p>
           <a:p>
             <a:r>
-              <a:rPr lang="es-MX" sz="2800" dirty="0" smtClean="0"/>
+              <a:rPr lang="es-MX" sz="2800" dirty="0"/>
               <a:t>-Gradientes de colores</a:t>
             </a:r>
           </a:p>
           <a:p>
             <a:r>
-              <a:rPr lang="es-MX" sz="2800" dirty="0" smtClean="0"/>
+              <a:rPr lang="es-MX" sz="2800" dirty="0"/>
               <a:t>-Transformaciones de propiedades</a:t>
             </a:r>
           </a:p>
           <a:p>
             <a:r>
-              <a:rPr lang="es-MX" sz="2800" dirty="0" smtClean="0"/>
+              <a:rPr lang="es-MX" sz="2800" dirty="0"/>
               <a:t>-Contenedores Flex y </a:t>
             </a:r>
             <a:r>
-              <a:rPr lang="es-MX" sz="2800" dirty="0" err="1" smtClean="0"/>
+              <a:rPr lang="es-MX" sz="2800" dirty="0" err="1"/>
               <a:t>Grid</a:t>
             </a:r>
-            <a:endParaRPr lang="es-MX" sz="2800" dirty="0" smtClean="0"/>
+            <a:endParaRPr lang="es-MX" sz="2800" dirty="0"/>
           </a:p>
         </p:txBody>
       </p:sp>
@@ -6736,13 +6706,6 @@
   <p:clrMapOvr>
     <a:masterClrMapping/>
   </p:clrMapOvr>
-  <p:timing>
-    <p:tnLst>
-      <p:par>
-        <p:cTn id="1" dur="indefinite" restart="never" nodeType="tmRoot"/>
-      </p:par>
-    </p:tnLst>
-  </p:timing>
 </p:sld>
 </file>
 
@@ -6786,7 +6749,7 @@
           <a:lstStyle/>
           <a:p>
             <a:r>
-              <a:rPr lang="es-MX" sz="4400" dirty="0" smtClean="0"/>
+              <a:rPr lang="es-MX" sz="4400" dirty="0"/>
               <a:t>Estructura del lenguaje:</a:t>
             </a:r>
             <a:endParaRPr lang="en-US" sz="4400" dirty="0"/>
@@ -6857,7 +6820,7 @@
           <a:lstStyle/>
           <a:p>
             <a:r>
-              <a:rPr lang="es-MX" sz="2800" dirty="0" smtClean="0"/>
+              <a:rPr lang="es-MX" sz="2800" dirty="0"/>
               <a:t>Tipos de selectores:</a:t>
             </a:r>
           </a:p>
@@ -6866,40 +6829,39 @@
           </a:p>
           <a:p>
             <a:r>
-              <a:rPr lang="es-MX" sz="2800" dirty="0" smtClean="0"/>
+              <a:rPr lang="es-MX" sz="2800" dirty="0"/>
               <a:t>-Universal (*)</a:t>
             </a:r>
           </a:p>
           <a:p>
             <a:r>
-              <a:rPr lang="es-MX" sz="2800" dirty="0" smtClean="0"/>
+              <a:rPr lang="es-MX" sz="2800" dirty="0"/>
               <a:t>-De etiqueta (ejemplo)</a:t>
             </a:r>
           </a:p>
           <a:p>
             <a:r>
-              <a:rPr lang="es-MX" sz="2800" dirty="0" smtClean="0"/>
+              <a:rPr lang="es-MX" sz="2800" dirty="0"/>
               <a:t>-Descendiente</a:t>
             </a:r>
           </a:p>
           <a:p>
             <a:r>
-              <a:rPr lang="es-MX" sz="2800" dirty="0" smtClean="0"/>
+              <a:rPr lang="es-MX" sz="2800" dirty="0"/>
               <a:t>-Separados por coma</a:t>
             </a:r>
           </a:p>
           <a:p>
             <a:r>
-              <a:rPr lang="es-MX" sz="2800" dirty="0" smtClean="0"/>
+              <a:rPr lang="es-MX" sz="2800" dirty="0"/>
               <a:t>-De clase (.clase)</a:t>
             </a:r>
           </a:p>
           <a:p>
             <a:r>
-              <a:rPr lang="es-MX" sz="2800" dirty="0" smtClean="0"/>
+              <a:rPr lang="es-MX" sz="2800" dirty="0"/>
               <a:t>-De ID (#identificador)</a:t>
             </a:r>
-            <a:endParaRPr lang="es-MX" sz="2800" dirty="0"/>
           </a:p>
         </p:txBody>
       </p:sp>
@@ -6913,13 +6875,6 @@
   <p:clrMapOvr>
     <a:masterClrMapping/>
   </p:clrMapOvr>
-  <p:timing>
-    <p:tnLst>
-      <p:par>
-        <p:cTn id="1" dur="indefinite" restart="never" nodeType="tmRoot"/>
-      </p:par>
-    </p:tnLst>
-  </p:timing>
 </p:sld>
 </file>
 
@@ -6963,7 +6918,7 @@
           <a:lstStyle/>
           <a:p>
             <a:r>
-              <a:rPr lang="es-MX" sz="4400" dirty="0" smtClean="0"/>
+              <a:rPr lang="es-MX" sz="4400" dirty="0"/>
               <a:t>Maneras de implementar CSS:</a:t>
             </a:r>
             <a:endParaRPr lang="en-US" sz="4400" dirty="0"/>
@@ -7197,22 +7152,22 @@
             <a:pPr marL="0" indent="0">
               <a:buNone/>
             </a:pPr>
-            <a:endParaRPr lang="es-MX" sz="3200" dirty="0" smtClean="0"/>
+            <a:endParaRPr lang="es-MX" sz="3200" dirty="0"/>
           </a:p>
           <a:p>
             <a:pPr marL="0" indent="0">
               <a:buNone/>
             </a:pPr>
             <a:r>
-              <a:rPr lang="es-MX" sz="3200" dirty="0" smtClean="0"/>
+              <a:rPr lang="es-MX" sz="3200" dirty="0"/>
               <a:t>-Style </a:t>
             </a:r>
             <a:r>
-              <a:rPr lang="es-MX" sz="3200" dirty="0" err="1" smtClean="0"/>
+              <a:rPr lang="es-MX" sz="3200" dirty="0" err="1"/>
               <a:t>Sheet</a:t>
             </a:r>
             <a:r>
-              <a:rPr lang="es-MX" sz="3200" dirty="0" smtClean="0"/>
+              <a:rPr lang="es-MX" sz="3200" dirty="0"/>
               <a:t> externa</a:t>
             </a:r>
           </a:p>
@@ -7221,15 +7176,15 @@
               <a:buNone/>
             </a:pPr>
             <a:r>
-              <a:rPr lang="es-MX" sz="3200" dirty="0" smtClean="0"/>
+              <a:rPr lang="es-MX" sz="3200" dirty="0"/>
               <a:t>-Style </a:t>
             </a:r>
             <a:r>
-              <a:rPr lang="es-MX" sz="3200" dirty="0" err="1" smtClean="0"/>
+              <a:rPr lang="es-MX" sz="3200" dirty="0" err="1"/>
               <a:t>Sheet</a:t>
             </a:r>
             <a:r>
-              <a:rPr lang="es-MX" sz="3200" dirty="0" smtClean="0"/>
+              <a:rPr lang="es-MX" sz="3200" dirty="0"/>
               <a:t> interna</a:t>
             </a:r>
           </a:p>
@@ -7238,11 +7193,11 @@
               <a:buNone/>
             </a:pPr>
             <a:r>
-              <a:rPr lang="es-MX" sz="3200" dirty="0" smtClean="0"/>
+              <a:rPr lang="es-MX" sz="3200" dirty="0"/>
               <a:t>-Estilo </a:t>
             </a:r>
             <a:r>
-              <a:rPr lang="es-MX" sz="3200" dirty="0" err="1" smtClean="0"/>
+              <a:rPr lang="es-MX" sz="3200" dirty="0" err="1"/>
               <a:t>inline</a:t>
             </a:r>
             <a:endParaRPr lang="es-MX" sz="3200" dirty="0"/>
@@ -7282,13 +7237,6 @@
   <p:clrMapOvr>
     <a:masterClrMapping/>
   </p:clrMapOvr>
-  <p:timing>
-    <p:tnLst>
-      <p:par>
-        <p:cTn id="1" dur="indefinite" restart="never" nodeType="tmRoot"/>
-      </p:par>
-    </p:tnLst>
-  </p:timing>
 </p:sld>
 </file>
 
@@ -7561,18 +7509,17 @@
               <a:buNone/>
             </a:pPr>
             <a:r>
-              <a:rPr lang="es-MX" sz="5400" dirty="0" smtClean="0"/>
+              <a:rPr lang="es-MX" sz="5400" dirty="0"/>
               <a:t>Style </a:t>
             </a:r>
             <a:r>
-              <a:rPr lang="es-MX" sz="5400" dirty="0" err="1" smtClean="0"/>
+              <a:rPr lang="es-MX" sz="5400" dirty="0" err="1"/>
               <a:t>Sheet</a:t>
             </a:r>
             <a:r>
-              <a:rPr lang="es-MX" sz="5400" dirty="0" smtClean="0"/>
+              <a:rPr lang="es-MX" sz="5400" dirty="0"/>
               <a:t> externa</a:t>
             </a:r>
-            <a:endParaRPr lang="es-MX" sz="5400" dirty="0"/>
           </a:p>
         </p:txBody>
       </p:sp>
@@ -7586,13 +7533,6 @@
   <p:clrMapOvr>
     <a:masterClrMapping/>
   </p:clrMapOvr>
-  <p:timing>
-    <p:tnLst>
-      <p:par>
-        <p:cTn id="1" dur="indefinite" restart="never" nodeType="tmRoot"/>
-      </p:par>
-    </p:tnLst>
-  </p:timing>
 </p:sld>
 </file>
 
@@ -7841,18 +7781,17 @@
               <a:buNone/>
             </a:pPr>
             <a:r>
-              <a:rPr lang="es-MX" sz="5400" dirty="0" smtClean="0"/>
+              <a:rPr lang="es-MX" sz="5400" dirty="0"/>
               <a:t>Style </a:t>
             </a:r>
             <a:r>
-              <a:rPr lang="es-MX" sz="5400" dirty="0" err="1" smtClean="0"/>
+              <a:rPr lang="es-MX" sz="5400" dirty="0" err="1"/>
               <a:t>Sheet</a:t>
             </a:r>
             <a:r>
-              <a:rPr lang="es-MX" sz="5400" dirty="0" smtClean="0"/>
+              <a:rPr lang="es-MX" sz="5400" dirty="0"/>
               <a:t> interna</a:t>
             </a:r>
-            <a:endParaRPr lang="es-MX" sz="5400" dirty="0"/>
           </a:p>
         </p:txBody>
       </p:sp>
@@ -7890,13 +7829,6 @@
   <p:clrMapOvr>
     <a:masterClrMapping/>
   </p:clrMapOvr>
-  <p:timing>
-    <p:tnLst>
-      <p:par>
-        <p:cTn id="1" dur="indefinite" restart="never" nodeType="tmRoot"/>
-      </p:par>
-    </p:tnLst>
-  </p:timing>
 </p:sld>
 </file>
 
@@ -8145,11 +8077,11 @@
               <a:buNone/>
             </a:pPr>
             <a:r>
-              <a:rPr lang="es-MX" sz="5400" dirty="0" smtClean="0"/>
+              <a:rPr lang="es-MX" sz="5400" dirty="0"/>
               <a:t>Estilo </a:t>
             </a:r>
             <a:r>
-              <a:rPr lang="es-MX" sz="5400" dirty="0" err="1" smtClean="0"/>
+              <a:rPr lang="es-MX" sz="5400" dirty="0" err="1"/>
               <a:t>inline</a:t>
             </a:r>
             <a:endParaRPr lang="es-MX" sz="5400" dirty="0"/>
@@ -8190,13 +8122,6 @@
   <p:clrMapOvr>
     <a:masterClrMapping/>
   </p:clrMapOvr>
-  <p:timing>
-    <p:tnLst>
-      <p:par>
-        <p:cTn id="1" dur="indefinite" restart="never" nodeType="tmRoot"/>
-      </p:par>
-    </p:tnLst>
-  </p:timing>
 </p:sld>
 </file>
 
@@ -8240,7 +8165,7 @@
           <a:lstStyle/>
           <a:p>
             <a:r>
-              <a:rPr lang="es-MX" sz="4400" dirty="0" smtClean="0"/>
+              <a:rPr lang="es-MX" sz="4400" dirty="0"/>
               <a:t>Conclusiones:</a:t>
             </a:r>
             <a:endParaRPr lang="en-US" sz="4400" dirty="0"/>
@@ -8256,7 +8181,7 @@
         <p:spPr>
           <a:xfrm>
             <a:off x="580912" y="1635370"/>
-            <a:ext cx="10725375" cy="523220"/>
+            <a:ext cx="10725375" cy="3970318"/>
           </a:xfrm>
           <a:prstGeom prst="rect">
             <a:avLst/>
@@ -8282,10 +8207,55 @@
           <a:lstStyle/>
           <a:p>
             <a:r>
-              <a:rPr lang="es-MX" sz="2800" dirty="0" smtClean="0"/>
-              <a:t>-Pendiente</a:t>
-            </a:r>
-            <a:endParaRPr lang="es-MX" sz="2800" dirty="0"/>
+              <a:rPr lang="es-MX" sz="2800" dirty="0"/>
+              <a:t>A lo largo de este presentación vimos la historia del CSS, podemos ver que con el tiempo vamos agregando maneras de usar el CSS, también hay que tomar en cuenta que el CSS es una base para los frameworks que actualmente se usan(Bootstrap, </a:t>
+            </a:r>
+            <a:r>
+              <a:rPr lang="es-MX" sz="2800" dirty="0" err="1"/>
+              <a:t>Foundation</a:t>
+            </a:r>
+            <a:r>
+              <a:rPr lang="es-MX" sz="2800" dirty="0"/>
+              <a:t>, </a:t>
+            </a:r>
+            <a:r>
+              <a:rPr lang="es-MX" sz="2800" dirty="0" err="1"/>
+              <a:t>Bulma</a:t>
+            </a:r>
+            <a:r>
+              <a:rPr lang="es-MX" sz="2800" dirty="0"/>
+              <a:t>, </a:t>
+            </a:r>
+            <a:r>
+              <a:rPr lang="es-MX" sz="2800" dirty="0" err="1"/>
+              <a:t>Uikit</a:t>
+            </a:r>
+            <a:r>
+              <a:rPr lang="es-MX" sz="2800" dirty="0"/>
+              <a:t>, </a:t>
+            </a:r>
+            <a:r>
+              <a:rPr lang="es-MX" sz="2800" dirty="0" err="1"/>
+              <a:t>Semantic</a:t>
+            </a:r>
+            <a:r>
+              <a:rPr lang="es-MX" sz="2800" dirty="0"/>
+              <a:t> UI, </a:t>
+            </a:r>
+            <a:r>
+              <a:rPr lang="es-MX" sz="2800" dirty="0" err="1"/>
+              <a:t>etc</a:t>
+            </a:r>
+            <a:r>
+              <a:rPr lang="es-MX" sz="2800" dirty="0"/>
+              <a:t>).</a:t>
+            </a:r>
+          </a:p>
+          <a:p>
+            <a:r>
+              <a:rPr lang="es-MX" sz="2800" dirty="0"/>
+              <a:t>Como pudimos ver es muy versátil la manera de llamar el CSS a nuestro proyecto. Lo cual debemos elegir cual es la mejor forma para nuestro proyecto. También hay que recordar que con el CSS se puede hacer animaciones.</a:t>
+            </a:r>
           </a:p>
         </p:txBody>
       </p:sp>
@@ -8299,13 +8269,6 @@
   <p:clrMapOvr>
     <a:masterClrMapping/>
   </p:clrMapOvr>
-  <p:timing>
-    <p:tnLst>
-      <p:par>
-        <p:cTn id="1" dur="indefinite" restart="never" nodeType="tmRoot"/>
-      </p:par>
-    </p:tnLst>
-  </p:timing>
 </p:sld>
 </file>
 
